--- a/active_exploration.pptx
+++ b/active_exploration.pptx
@@ -3602,7 +3602,7 @@
           <a:bodyPr/>
           <a:lstStyle/>
           <a:p>
-            <a:endParaRPr lang="en-US"/>
+            <a:endParaRPr lang="en-US" dirty="0"/>
           </a:p>
         </p:txBody>
       </p:sp>
@@ -3620,16 +3620,15 @@
           </p:cNvPicPr>
           <p:nvPr/>
         </p:nvPicPr>
-        <p:blipFill>
+        <p:blipFill rotWithShape="1">
           <a:blip r:embed="rId2"/>
-          <a:stretch>
-            <a:fillRect/>
-          </a:stretch>
+          <a:srcRect l="20130" t="12255" r="20027" b="15244"/>
+          <a:stretch/>
         </p:blipFill>
         <p:spPr>
           <a:xfrm>
-            <a:off x="2195512" y="209550"/>
-            <a:ext cx="7800975" cy="6438900"/>
+            <a:off x="3765884" y="998620"/>
+            <a:ext cx="4668253" cy="4668253"/>
           </a:xfrm>
           <a:prstGeom prst="rect">
             <a:avLst/>
@@ -3730,16 +3729,15 @@
           </p:cNvPicPr>
           <p:nvPr/>
         </p:nvPicPr>
-        <p:blipFill>
+        <p:blipFill rotWithShape="1">
           <a:blip r:embed="rId2"/>
-          <a:stretch>
-            <a:fillRect/>
-          </a:stretch>
+          <a:srcRect l="22367" t="13012" r="19089" b="15046"/>
+          <a:stretch/>
         </p:blipFill>
         <p:spPr>
           <a:xfrm>
-            <a:off x="2119312" y="176212"/>
-            <a:ext cx="7953375" cy="6505575"/>
+            <a:off x="3898232" y="1022685"/>
+            <a:ext cx="4656221" cy="4680284"/>
           </a:xfrm>
           <a:prstGeom prst="rect">
             <a:avLst/>
@@ -3843,16 +3841,15 @@
           </p:cNvPicPr>
           <p:nvPr/>
         </p:nvPicPr>
-        <p:blipFill>
+        <p:blipFill rotWithShape="1">
           <a:blip r:embed="rId2"/>
-          <a:stretch>
-            <a:fillRect/>
-          </a:stretch>
+          <a:srcRect l="20731" t="14437" r="19055" b="13730"/>
+          <a:stretch/>
         </p:blipFill>
         <p:spPr>
           <a:xfrm>
-            <a:off x="4148666" y="1791033"/>
-            <a:ext cx="5814483" cy="4890754"/>
+            <a:off x="2827421" y="1690688"/>
+            <a:ext cx="4042610" cy="4056503"/>
           </a:xfrm>
           <a:prstGeom prst="rect">
             <a:avLst/>
@@ -4045,7 +4042,7 @@
           <a:bodyPr/>
           <a:lstStyle/>
           <a:p>
-            <a:endParaRPr lang="en-US"/>
+            <a:endParaRPr lang="en-US" dirty="0"/>
           </a:p>
         </p:txBody>
       </p:sp>
@@ -4063,16 +4060,15 @@
           </p:cNvPicPr>
           <p:nvPr/>
         </p:nvPicPr>
-        <p:blipFill>
+        <p:blipFill rotWithShape="1">
           <a:blip r:embed="rId2"/>
-          <a:stretch>
-            <a:fillRect/>
-          </a:stretch>
+          <a:srcRect l="20557" t="13860" r="23234" b="18421"/>
+          <a:stretch/>
         </p:blipFill>
         <p:spPr>
           <a:xfrm>
-            <a:off x="1975516" y="0"/>
-            <a:ext cx="8240967" cy="6858000"/>
+            <a:off x="3669632" y="950495"/>
+            <a:ext cx="4632157" cy="4644190"/>
           </a:xfrm>
           <a:prstGeom prst="rect">
             <a:avLst/>
@@ -4503,16 +4499,15 @@
           </p:cNvPicPr>
           <p:nvPr/>
         </p:nvPicPr>
-        <p:blipFill>
+        <p:blipFill rotWithShape="1">
           <a:blip r:embed="rId2"/>
-          <a:stretch>
-            <a:fillRect/>
-          </a:stretch>
+          <a:srcRect l="21205" t="12418" r="21414" b="17036"/>
+          <a:stretch/>
         </p:blipFill>
         <p:spPr>
           <a:xfrm>
-            <a:off x="2038350" y="128587"/>
-            <a:ext cx="8115300" cy="6600825"/>
+            <a:off x="3759200" y="948268"/>
+            <a:ext cx="4656667" cy="4656666"/>
           </a:xfrm>
           <a:prstGeom prst="rect">
             <a:avLst/>
@@ -4723,16 +4718,15 @@
           </p:cNvPicPr>
           <p:nvPr/>
         </p:nvPicPr>
-        <p:blipFill>
+        <p:blipFill rotWithShape="1">
           <a:blip r:embed="rId2"/>
-          <a:stretch>
-            <a:fillRect/>
-          </a:stretch>
+          <a:srcRect l="20785" t="14066" r="21283" b="15335"/>
+          <a:stretch/>
         </p:blipFill>
         <p:spPr>
           <a:xfrm>
-            <a:off x="2066925" y="114300"/>
-            <a:ext cx="8058150" cy="6629400"/>
+            <a:off x="3741821" y="1046747"/>
+            <a:ext cx="4668253" cy="4680286"/>
           </a:xfrm>
           <a:prstGeom prst="rect">
             <a:avLst/>
